--- a/Blind_Teaser_IndSwift_Final.pptx
+++ b/Blind_Teaser_IndSwift_Final.pptx
@@ -3451,7 +3451,7 @@
               </a:defRPr>
             </a:pPr>
             <a:r>
-              <a:t>■ the company specializes in the manufacturing of Active Pharmaceutical Ingredients (API)</a:t>
+              <a:t>■ Pharmaceutical company headquartered in Chandigarh, India with two manufacturing facilities.</a:t>
             </a:r>
           </a:p>
           <a:p>
@@ -3467,7 +3467,7 @@
               </a:defRPr>
             </a:pPr>
             <a:r>
-              <a:t>■ The entity operates facilities with a capacity to produce API</a:t>
+              <a:t>■ Compliance with global operating standards.</a:t>
             </a:r>
           </a:p>
           <a:p>
@@ -3483,7 +3483,7 @@
               </a:defRPr>
             </a:pPr>
             <a:r>
-              <a:t>■ the business holds certifications and standards relevant to its operations</a:t>
+              <a:t>■ End-use industries include healthcare and research institutions.</a:t>
             </a:r>
           </a:p>
           <a:p>
@@ -3499,7 +3499,7 @@
               </a:defRPr>
             </a:pPr>
             <a:r>
-              <a:t>■ API products are primarily used in the pharmaceutical industry</a:t>
+              <a:t>■ Geographic presence includes Chandigarh, India as headquarters.</a:t>
             </a:r>
           </a:p>
           <a:p>
@@ -3515,11 +3515,35 @@
               </a:defRPr>
             </a:pPr>
             <a:r>
-              <a:t>■ The entity's headquarters is located within a specific geographic region relevant to its market presence</a:t>
-            </a:r>
-          </a:p>
-        </p:txBody>
-      </p:sp>
+              <a:t>■ Certifications or standards adherence is mandatory for operations.</a:t>
+            </a:r>
+          </a:p>
+        </p:txBody>
+      </p:sp>
+      <p:pic>
+        <p:nvPicPr>
+          <p:cNvPr id="7" name="Picture 6" descr="temp_img_0.jpg"/>
+          <p:cNvPicPr>
+            <a:picLocks noChangeAspect="1"/>
+          </p:cNvPicPr>
+          <p:nvPr/>
+        </p:nvPicPr>
+        <p:blipFill>
+          <a:blip r:embed="rId2"/>
+          <a:stretch>
+            <a:fillRect/>
+          </a:stretch>
+        </p:blipFill>
+        <p:spPr>
+          <a:xfrm>
+            <a:off x="5029200" y="1371600"/>
+            <a:ext cx="4114800" cy="3086100"/>
+          </a:xfrm>
+          <a:prstGeom prst="rect">
+            <a:avLst/>
+          </a:prstGeom>
+        </p:spPr>
+      </p:pic>
     </p:spTree>
   </p:cSld>
   <p:clrMapOvr>
@@ -3605,7 +3629,7 @@
               </a:defRPr>
             </a:pPr>
             <a:r>
-              <a:t>FINANCIAL &amp; OPERATIONAL SCALE</a:t>
+              <a:t>FINAN0CIAL &amp; OPERATIONAL SCALE</a:t>
             </a:r>
           </a:p>
         </p:txBody>
@@ -3716,7 +3740,7 @@
               </a:defRPr>
             </a:pPr>
             <a:r>
-              <a:t>■ Revenue for the year 2022 was recorded as a specific value without rounding or unit conversion</a:t>
+              <a:t>■ Return on Investment (ROI) in 2024: 5.43%</a:t>
             </a:r>
           </a:p>
           <a:p>
@@ -3732,7 +3756,7 @@
               </a:defRPr>
             </a:pPr>
             <a:r>
-              <a:t>■ Operating EBITDA in 2022 amounted to another distinct figure, maintaining exact numeric values from the data provided</a:t>
+              <a:t>■ Return on Capital Employed (ROCE) in 2024: 0.74%</a:t>
             </a:r>
           </a:p>
         </p:txBody>
@@ -3933,7 +3957,7 @@
               </a:defRPr>
             </a:pPr>
             <a:r>
-              <a:t>■ The company has received a specific number of orders in 2022 with associated values and durations without inferring advantages or future implications</a:t>
+              <a:t>■ Completed milestones include facility expansions and technology upgrades.</a:t>
             </a:r>
           </a:p>
           <a:p>
@@ -3949,11 +3973,35 @@
               </a:defRPr>
             </a:pPr>
             <a:r>
-              <a:t>■ Capacity figures for the year 2022 are provided as exact numbers, reflecting production capabilities directly from the data given</a:t>
-            </a:r>
-          </a:p>
-        </p:txBody>
-      </p:sp>
+              <a:t>■ Management experience spans over 10 years in the pharmaceutical sector.</a:t>
+            </a:r>
+          </a:p>
+        </p:txBody>
+      </p:sp>
+      <p:pic>
+        <p:nvPicPr>
+          <p:cNvPr id="7" name="Picture 6" descr="temp_img_2.jpg"/>
+          <p:cNvPicPr>
+            <a:picLocks noChangeAspect="1"/>
+          </p:cNvPicPr>
+          <p:nvPr/>
+        </p:nvPicPr>
+        <p:blipFill>
+          <a:blip r:embed="rId2"/>
+          <a:stretch>
+            <a:fillRect/>
+          </a:stretch>
+        </p:blipFill>
+        <p:spPr>
+          <a:xfrm>
+            <a:off x="5029200" y="1371600"/>
+            <a:ext cx="4114800" cy="3086100"/>
+          </a:xfrm>
+          <a:prstGeom prst="rect">
+            <a:avLst/>
+          </a:prstGeom>
+        </p:spPr>
+      </p:pic>
     </p:spTree>
   </p:cSld>
   <p:clrMapOvr>
